--- a/files/forensics_w25.pptx
+++ b/files/forensics_w25.pptx
@@ -246,7 +246,7 @@
           <a:p>
             <a:fld id="{C6513600-717B-4CBB-9AFE-1F576C1D3E1D}" type="datetimeFigureOut">
               <a:rPr lang="he-IL" smtClean="0"/>
-              <a:t>כ"ג/כסלו/תשפ"ה</a:t>
+              <a:t>כ"ג/חשון/תשפ"ו</a:t>
             </a:fld>
             <a:endParaRPr lang="he-IL"/>
           </a:p>
@@ -2434,7 +2434,7 @@
           <a:p>
             <a:fld id="{02109FA5-8937-4EFE-A1A6-BD6EB76E3D9A}" type="datetimeFigureOut">
               <a:rPr lang="he-IL" smtClean="0"/>
-              <a:t>כ"ג/כסלו/תשפ"ה</a:t>
+              <a:t>כ"ג/חשון/תשפ"ו</a:t>
             </a:fld>
             <a:endParaRPr lang="he-IL"/>
           </a:p>
@@ -2634,7 +2634,7 @@
           <a:p>
             <a:fld id="{02109FA5-8937-4EFE-A1A6-BD6EB76E3D9A}" type="datetimeFigureOut">
               <a:rPr lang="he-IL" smtClean="0"/>
-              <a:t>כ"ג/כסלו/תשפ"ה</a:t>
+              <a:t>כ"ג/חשון/תשפ"ו</a:t>
             </a:fld>
             <a:endParaRPr lang="he-IL"/>
           </a:p>
@@ -2844,7 +2844,7 @@
           <a:p>
             <a:fld id="{02109FA5-8937-4EFE-A1A6-BD6EB76E3D9A}" type="datetimeFigureOut">
               <a:rPr lang="he-IL" smtClean="0"/>
-              <a:t>כ"ג/כסלו/תשפ"ה</a:t>
+              <a:t>כ"ג/חשון/תשפ"ו</a:t>
             </a:fld>
             <a:endParaRPr lang="he-IL"/>
           </a:p>
@@ -3044,7 +3044,7 @@
           <a:p>
             <a:fld id="{02109FA5-8937-4EFE-A1A6-BD6EB76E3D9A}" type="datetimeFigureOut">
               <a:rPr lang="he-IL" smtClean="0"/>
-              <a:t>כ"ג/כסלו/תשפ"ה</a:t>
+              <a:t>כ"ג/חשון/תשפ"ו</a:t>
             </a:fld>
             <a:endParaRPr lang="he-IL"/>
           </a:p>
@@ -3320,7 +3320,7 @@
           <a:p>
             <a:fld id="{02109FA5-8937-4EFE-A1A6-BD6EB76E3D9A}" type="datetimeFigureOut">
               <a:rPr lang="he-IL" smtClean="0"/>
-              <a:t>כ"ג/כסלו/תשפ"ה</a:t>
+              <a:t>כ"ג/חשון/תשפ"ו</a:t>
             </a:fld>
             <a:endParaRPr lang="he-IL"/>
           </a:p>
@@ -3588,7 +3588,7 @@
           <a:p>
             <a:fld id="{02109FA5-8937-4EFE-A1A6-BD6EB76E3D9A}" type="datetimeFigureOut">
               <a:rPr lang="he-IL" smtClean="0"/>
-              <a:t>כ"ג/כסלו/תשפ"ה</a:t>
+              <a:t>כ"ג/חשון/תשפ"ו</a:t>
             </a:fld>
             <a:endParaRPr lang="he-IL"/>
           </a:p>
@@ -4003,7 +4003,7 @@
           <a:p>
             <a:fld id="{02109FA5-8937-4EFE-A1A6-BD6EB76E3D9A}" type="datetimeFigureOut">
               <a:rPr lang="he-IL" smtClean="0"/>
-              <a:t>כ"ג/כסלו/תשפ"ה</a:t>
+              <a:t>כ"ג/חשון/תשפ"ו</a:t>
             </a:fld>
             <a:endParaRPr lang="he-IL"/>
           </a:p>
@@ -4145,7 +4145,7 @@
           <a:p>
             <a:fld id="{02109FA5-8937-4EFE-A1A6-BD6EB76E3D9A}" type="datetimeFigureOut">
               <a:rPr lang="he-IL" smtClean="0"/>
-              <a:t>כ"ג/כסלו/תשפ"ה</a:t>
+              <a:t>כ"ג/חשון/תשפ"ו</a:t>
             </a:fld>
             <a:endParaRPr lang="he-IL"/>
           </a:p>
@@ -4258,7 +4258,7 @@
           <a:p>
             <a:fld id="{02109FA5-8937-4EFE-A1A6-BD6EB76E3D9A}" type="datetimeFigureOut">
               <a:rPr lang="he-IL" smtClean="0"/>
-              <a:t>כ"ג/כסלו/תשפ"ה</a:t>
+              <a:t>כ"ג/חשון/תשפ"ו</a:t>
             </a:fld>
             <a:endParaRPr lang="he-IL"/>
           </a:p>
@@ -4571,7 +4571,7 @@
           <a:p>
             <a:fld id="{02109FA5-8937-4EFE-A1A6-BD6EB76E3D9A}" type="datetimeFigureOut">
               <a:rPr lang="he-IL" smtClean="0"/>
-              <a:t>כ"ג/כסלו/תשפ"ה</a:t>
+              <a:t>כ"ג/חשון/תשפ"ו</a:t>
             </a:fld>
             <a:endParaRPr lang="he-IL"/>
           </a:p>
@@ -4864,7 +4864,7 @@
           <a:p>
             <a:fld id="{02109FA5-8937-4EFE-A1A6-BD6EB76E3D9A}" type="datetimeFigureOut">
               <a:rPr lang="he-IL" smtClean="0"/>
-              <a:t>כ"ג/כסלו/תשפ"ה</a:t>
+              <a:t>כ"ג/חשון/תשפ"ו</a:t>
             </a:fld>
             <a:endParaRPr lang="he-IL"/>
           </a:p>
@@ -5107,7 +5107,7 @@
           <a:p>
             <a:fld id="{02109FA5-8937-4EFE-A1A6-BD6EB76E3D9A}" type="datetimeFigureOut">
               <a:rPr lang="he-IL" smtClean="0"/>
-              <a:t>כ"ג/כסלו/תשפ"ה</a:t>
+              <a:t>כ"ג/חשון/תשפ"ו</a:t>
             </a:fld>
             <a:endParaRPr lang="he-IL"/>
           </a:p>
@@ -5685,7 +5685,7 @@
           <a:lstStyle/>
           <a:p>
             <a:r>
-              <a:rPr lang="en-US">
+              <a:rPr lang="en-US" dirty="0">
                 <a:solidFill>
                   <a:schemeClr val="bg1"/>
                 </a:solidFill>
@@ -5693,9 +5693,9 @@
                 <a:latin typeface="Miriam Libre" pitchFamily="2" charset="-79"/>
                 <a:cs typeface="Miriam Libre" pitchFamily="2" charset="-79"/>
               </a:rPr>
-              <a:t>December 2024</a:t>
-            </a:r>
-            <a:endParaRPr lang="he-IL">
+              <a:t>Winter 2025/26</a:t>
+            </a:r>
+            <a:endParaRPr lang="he-IL" dirty="0">
               <a:solidFill>
                 <a:schemeClr val="bg1"/>
               </a:solidFill>
